--- a/Presentation.pptx
+++ b/Presentation.pptx
@@ -5,7 +5,7 @@
     <p:sldMasterId id="2147483660" r:id="rId1"/>
   </p:sldMasterIdLst>
   <p:notesMasterIdLst>
-    <p:notesMasterId r:id="rId14"/>
+    <p:notesMasterId r:id="rId15"/>
   </p:notesMasterIdLst>
   <p:sldIdLst>
     <p:sldId id="256" r:id="rId2"/>
@@ -19,7 +19,8 @@
     <p:sldId id="264" r:id="rId10"/>
     <p:sldId id="266" r:id="rId11"/>
     <p:sldId id="265" r:id="rId12"/>
-    <p:sldId id="267" r:id="rId13"/>
+    <p:sldId id="268" r:id="rId13"/>
+    <p:sldId id="267" r:id="rId14"/>
   </p:sldIdLst>
   <p:sldSz cx="12192000" cy="6858000"/>
   <p:notesSz cx="6858000" cy="9144000"/>
@@ -118,6 +119,11 @@
       </a:defRPr>
     </a:lvl9pPr>
   </p:defaultTextStyle>
+  <p:extLst>
+    <p:ext uri="{EFAFB233-063F-42B5-8137-9DF3F51BA10A}">
+      <p15:sldGuideLst xmlns:p15="http://schemas.microsoft.com/office/powerpoint/2012/main"/>
+    </p:ext>
+  </p:extLst>
 </p:presentation>
 </file>
 
@@ -203,7 +209,7 @@
           <a:p>
             <a:fld id="{DE805BEA-0150-4D75-8AC2-7987902CE623}" type="datetimeFigureOut">
               <a:rPr lang="en-US" smtClean="0"/>
-              <a:t>2018-05-27</a:t>
+              <a:t>2018-05-28</a:t>
             </a:fld>
             <a:endParaRPr lang="en-US"/>
           </a:p>
@@ -1276,7 +1282,7 @@
           <a:p>
             <a:fld id="{94776EF3-FE75-4420-8C24-BF72FCB431D5}" type="datetimeFigureOut">
               <a:rPr lang="en-US" smtClean="0"/>
-              <a:t>2018-05-27</a:t>
+              <a:t>2018-05-28</a:t>
             </a:fld>
             <a:endParaRPr lang="en-US"/>
           </a:p>
@@ -1527,7 +1533,7 @@
           <a:p>
             <a:fld id="{94776EF3-FE75-4420-8C24-BF72FCB431D5}" type="datetimeFigureOut">
               <a:rPr lang="en-US" smtClean="0"/>
-              <a:t>2018-05-27</a:t>
+              <a:t>2018-05-28</a:t>
             </a:fld>
             <a:endParaRPr lang="en-US"/>
           </a:p>
@@ -1841,7 +1847,7 @@
           <a:p>
             <a:fld id="{94776EF3-FE75-4420-8C24-BF72FCB431D5}" type="datetimeFigureOut">
               <a:rPr lang="en-US" smtClean="0"/>
-              <a:t>2018-05-27</a:t>
+              <a:t>2018-05-28</a:t>
             </a:fld>
             <a:endParaRPr lang="en-US"/>
           </a:p>
@@ -2182,7 +2188,7 @@
           <a:p>
             <a:fld id="{94776EF3-FE75-4420-8C24-BF72FCB431D5}" type="datetimeFigureOut">
               <a:rPr lang="en-US" smtClean="0"/>
-              <a:t>2018-05-27</a:t>
+              <a:t>2018-05-28</a:t>
             </a:fld>
             <a:endParaRPr lang="en-US"/>
           </a:p>
@@ -2496,7 +2502,7 @@
           <a:p>
             <a:fld id="{94776EF3-FE75-4420-8C24-BF72FCB431D5}" type="datetimeFigureOut">
               <a:rPr lang="en-US" smtClean="0"/>
-              <a:t>2018-05-27</a:t>
+              <a:t>2018-05-28</a:t>
             </a:fld>
             <a:endParaRPr lang="en-US"/>
           </a:p>
@@ -2889,7 +2895,7 @@
           <a:p>
             <a:fld id="{94776EF3-FE75-4420-8C24-BF72FCB431D5}" type="datetimeFigureOut">
               <a:rPr lang="en-US" smtClean="0"/>
-              <a:t>2018-05-27</a:t>
+              <a:t>2018-05-28</a:t>
             </a:fld>
             <a:endParaRPr lang="en-US"/>
           </a:p>
@@ -3059,7 +3065,7 @@
           <a:p>
             <a:fld id="{94776EF3-FE75-4420-8C24-BF72FCB431D5}" type="datetimeFigureOut">
               <a:rPr lang="en-US" smtClean="0"/>
-              <a:t>2018-05-27</a:t>
+              <a:t>2018-05-28</a:t>
             </a:fld>
             <a:endParaRPr lang="en-US"/>
           </a:p>
@@ -3239,7 +3245,7 @@
           <a:p>
             <a:fld id="{94776EF3-FE75-4420-8C24-BF72FCB431D5}" type="datetimeFigureOut">
               <a:rPr lang="en-US" smtClean="0"/>
-              <a:t>2018-05-27</a:t>
+              <a:t>2018-05-28</a:t>
             </a:fld>
             <a:endParaRPr lang="en-US"/>
           </a:p>
@@ -3415,7 +3421,7 @@
           <a:p>
             <a:fld id="{94776EF3-FE75-4420-8C24-BF72FCB431D5}" type="datetimeFigureOut">
               <a:rPr lang="en-US" smtClean="0"/>
-              <a:t>2018-05-27</a:t>
+              <a:t>2018-05-28</a:t>
             </a:fld>
             <a:endParaRPr lang="en-US"/>
           </a:p>
@@ -3662,7 +3668,7 @@
           <a:p>
             <a:fld id="{94776EF3-FE75-4420-8C24-BF72FCB431D5}" type="datetimeFigureOut">
               <a:rPr lang="en-US" smtClean="0"/>
-              <a:t>2018-05-27</a:t>
+              <a:t>2018-05-28</a:t>
             </a:fld>
             <a:endParaRPr lang="en-US"/>
           </a:p>
@@ -3894,7 +3900,7 @@
           <a:p>
             <a:fld id="{94776EF3-FE75-4420-8C24-BF72FCB431D5}" type="datetimeFigureOut">
               <a:rPr lang="en-US" smtClean="0"/>
-              <a:t>2018-05-27</a:t>
+              <a:t>2018-05-28</a:t>
             </a:fld>
             <a:endParaRPr lang="en-US"/>
           </a:p>
@@ -4268,7 +4274,7 @@
           <a:p>
             <a:fld id="{94776EF3-FE75-4420-8C24-BF72FCB431D5}" type="datetimeFigureOut">
               <a:rPr lang="en-US" smtClean="0"/>
-              <a:t>2018-05-27</a:t>
+              <a:t>2018-05-28</a:t>
             </a:fld>
             <a:endParaRPr lang="en-US"/>
           </a:p>
@@ -4391,7 +4397,7 @@
           <a:p>
             <a:fld id="{94776EF3-FE75-4420-8C24-BF72FCB431D5}" type="datetimeFigureOut">
               <a:rPr lang="en-US" smtClean="0"/>
-              <a:t>2018-05-27</a:t>
+              <a:t>2018-05-28</a:t>
             </a:fld>
             <a:endParaRPr lang="en-US"/>
           </a:p>
@@ -4486,7 +4492,7 @@
           <a:p>
             <a:fld id="{94776EF3-FE75-4420-8C24-BF72FCB431D5}" type="datetimeFigureOut">
               <a:rPr lang="en-US" smtClean="0"/>
-              <a:t>2018-05-27</a:t>
+              <a:t>2018-05-28</a:t>
             </a:fld>
             <a:endParaRPr lang="en-US"/>
           </a:p>
@@ -4741,7 +4747,7 @@
           <a:p>
             <a:fld id="{94776EF3-FE75-4420-8C24-BF72FCB431D5}" type="datetimeFigureOut">
               <a:rPr lang="en-US" smtClean="0"/>
-              <a:t>2018-05-27</a:t>
+              <a:t>2018-05-28</a:t>
             </a:fld>
             <a:endParaRPr lang="en-US"/>
           </a:p>
@@ -5004,7 +5010,7 @@
           <a:p>
             <a:fld id="{94776EF3-FE75-4420-8C24-BF72FCB431D5}" type="datetimeFigureOut">
               <a:rPr lang="en-US" smtClean="0"/>
-              <a:t>2018-05-27</a:t>
+              <a:t>2018-05-28</a:t>
             </a:fld>
             <a:endParaRPr lang="en-US"/>
           </a:p>
@@ -5747,7 +5753,7 @@
           <a:p>
             <a:fld id="{94776EF3-FE75-4420-8C24-BF72FCB431D5}" type="datetimeFigureOut">
               <a:rPr lang="en-US" smtClean="0"/>
-              <a:t>2018-05-27</a:t>
+              <a:t>2018-05-28</a:t>
             </a:fld>
             <a:endParaRPr lang="en-US"/>
           </a:p>
@@ -6544,18 +6550,6 @@
               <a:t>Total working time: ~500 hours (combined)</a:t>
             </a:r>
           </a:p>
-          <a:p>
-            <a:r>
-              <a:rPr lang="en-US" dirty="0"/>
-              <a:t>Alcohol</a:t>
-            </a:r>
-          </a:p>
-          <a:p>
-            <a:r>
-              <a:rPr lang="en-US" dirty="0"/>
-              <a:t>Internet</a:t>
-            </a:r>
-          </a:p>
         </p:txBody>
       </p:sp>
     </p:spTree>
@@ -6572,6 +6566,113 @@
 </file>
 
 <file path=ppt/slides/slide12.xml><?xml version="1.0" encoding="utf-8"?>
+<p:sld xmlns:a="http://schemas.openxmlformats.org/drawingml/2006/main" xmlns:r="http://schemas.openxmlformats.org/officeDocument/2006/relationships" xmlns:p="http://schemas.openxmlformats.org/presentationml/2006/main">
+  <p:cSld>
+    <p:spTree>
+      <p:nvGrpSpPr>
+        <p:cNvPr id="1" name=""/>
+        <p:cNvGrpSpPr/>
+        <p:nvPr/>
+      </p:nvGrpSpPr>
+      <p:grpSpPr>
+        <a:xfrm>
+          <a:off x="0" y="0"/>
+          <a:ext cx="0" cy="0"/>
+          <a:chOff x="0" y="0"/>
+          <a:chExt cx="0" cy="0"/>
+        </a:xfrm>
+      </p:grpSpPr>
+      <p:sp>
+        <p:nvSpPr>
+          <p:cNvPr id="2" name="Title 1">
+            <a:extLst>
+              <a:ext uri="{FF2B5EF4-FFF2-40B4-BE49-F238E27FC236}">
+                <a16:creationId xmlns:a16="http://schemas.microsoft.com/office/drawing/2014/main" id="{0FDC3D37-84BC-4C17-BC59-CC5411F0BBD1}"/>
+              </a:ext>
+            </a:extLst>
+          </p:cNvPr>
+          <p:cNvSpPr>
+            <a:spLocks noGrp="1"/>
+          </p:cNvSpPr>
+          <p:nvPr>
+            <p:ph type="title"/>
+          </p:nvPr>
+        </p:nvSpPr>
+        <p:spPr/>
+        <p:txBody>
+          <a:bodyPr/>
+          <a:lstStyle/>
+          <a:p>
+            <a:r>
+              <a:rPr lang="en-US" dirty="0"/>
+              <a:t>Data Wrangling</a:t>
+            </a:r>
+          </a:p>
+        </p:txBody>
+      </p:sp>
+      <p:sp>
+        <p:nvSpPr>
+          <p:cNvPr id="3" name="Content Placeholder 2">
+            <a:extLst>
+              <a:ext uri="{FF2B5EF4-FFF2-40B4-BE49-F238E27FC236}">
+                <a16:creationId xmlns:a16="http://schemas.microsoft.com/office/drawing/2014/main" id="{E39A1552-DB24-43A2-B3D9-CB7624882FAF}"/>
+              </a:ext>
+            </a:extLst>
+          </p:cNvPr>
+          <p:cNvSpPr>
+            <a:spLocks noGrp="1"/>
+          </p:cNvSpPr>
+          <p:nvPr>
+            <p:ph idx="1"/>
+          </p:nvPr>
+        </p:nvSpPr>
+        <p:spPr/>
+        <p:txBody>
+          <a:bodyPr/>
+          <a:lstStyle/>
+          <a:p>
+            <a:r>
+              <a:rPr lang="en-US" dirty="0"/>
+              <a:t>Identifying Missing Values</a:t>
+            </a:r>
+          </a:p>
+          <a:p>
+            <a:r>
+              <a:rPr lang="en-US" dirty="0"/>
+              <a:t>Handle N/A</a:t>
+            </a:r>
+          </a:p>
+          <a:p>
+            <a:r>
+              <a:rPr lang="en-US" dirty="0"/>
+              <a:t>Data Formatting</a:t>
+            </a:r>
+          </a:p>
+          <a:p>
+            <a:r>
+              <a:rPr lang="en-US" dirty="0"/>
+              <a:t>Data Normalization</a:t>
+            </a:r>
+          </a:p>
+          <a:p>
+            <a:endParaRPr lang="en-US" dirty="0"/>
+          </a:p>
+        </p:txBody>
+      </p:sp>
+    </p:spTree>
+    <p:extLst>
+      <p:ext uri="{BB962C8B-B14F-4D97-AF65-F5344CB8AC3E}">
+        <p14:creationId xmlns:p14="http://schemas.microsoft.com/office/powerpoint/2010/main" val="2527294744"/>
+      </p:ext>
+    </p:extLst>
+  </p:cSld>
+  <p:clrMapOvr>
+    <a:masterClrMapping/>
+  </p:clrMapOvr>
+</p:sld>
+</file>
+
+<file path=ppt/slides/slide13.xml><?xml version="1.0" encoding="utf-8"?>
 <p:sld xmlns:a="http://schemas.openxmlformats.org/drawingml/2006/main" xmlns:r="http://schemas.openxmlformats.org/officeDocument/2006/relationships" xmlns:p="http://schemas.openxmlformats.org/presentationml/2006/main">
   <p:cSld>
     <p:spTree>

--- a/Presentation.pptx
+++ b/Presentation.pptx
@@ -127,6 +127,32 @@
 </p:presentation>
 </file>
 
+<file path=ppt/commentAuthors.xml><?xml version="1.0" encoding="utf-8"?>
+<p:cmAuthorLst xmlns:a="http://schemas.openxmlformats.org/drawingml/2006/main" xmlns:r="http://schemas.openxmlformats.org/officeDocument/2006/relationships" xmlns:p="http://schemas.openxmlformats.org/presentationml/2006/main">
+  <p:cmAuthor id="1" name="ralf zangis" initials="rz" lastIdx="1" clrIdx="0">
+    <p:extLst>
+      <p:ext uri="{19B8F6BF-5375-455C-9EA6-DF929625EA0E}">
+        <p15:presenceInfo xmlns:p15="http://schemas.microsoft.com/office/powerpoint/2012/main" userId="30c92def27e35c43" providerId="Windows Live"/>
+      </p:ext>
+    </p:extLst>
+  </p:cmAuthor>
+</p:cmAuthorLst>
+</file>
+
+<file path=ppt/comments/comment1.xml><?xml version="1.0" encoding="utf-8"?>
+<p:cmLst xmlns:a="http://schemas.openxmlformats.org/drawingml/2006/main" xmlns:r="http://schemas.openxmlformats.org/officeDocument/2006/relationships" xmlns:p="http://schemas.openxmlformats.org/presentationml/2006/main">
+  <p:cm authorId="1" dt="2018-05-28T23:10:29.586" idx="1">
+    <p:pos x="10" y="10"/>
+    <p:text/>
+    <p:extLst>
+      <p:ext uri="{C676402C-5697-4E1C-873F-D02D1690AC5C}">
+        <p15:threadingInfo xmlns:p15="http://schemas.microsoft.com/office/powerpoint/2012/main" timeZoneBias="-120"/>
+      </p:ext>
+    </p:extLst>
+  </p:cm>
+</p:cmLst>
+</file>
+
 <file path=ppt/notesMasters/notesMaster1.xml><?xml version="1.0" encoding="utf-8"?>
 <p:notesMaster xmlns:a="http://schemas.openxmlformats.org/drawingml/2006/main" xmlns:r="http://schemas.openxmlformats.org/officeDocument/2006/relationships" xmlns:p="http://schemas.openxmlformats.org/presentationml/2006/main">
   <p:cSld>
@@ -495,6 +521,90 @@
       </p:grpSpPr>
       <p:sp>
         <p:nvSpPr>
+          <p:cNvPr id="2" name="Slaida attēla vietturis 1"/>
+          <p:cNvSpPr>
+            <a:spLocks noGrp="1" noRot="1" noChangeAspect="1"/>
+          </p:cNvSpPr>
+          <p:nvPr>
+            <p:ph type="sldImg"/>
+          </p:nvPr>
+        </p:nvSpPr>
+        <p:spPr/>
+      </p:sp>
+      <p:sp>
+        <p:nvSpPr>
+          <p:cNvPr id="3" name="Piezīmju vietturis 2"/>
+          <p:cNvSpPr>
+            <a:spLocks noGrp="1"/>
+          </p:cNvSpPr>
+          <p:nvPr>
+            <p:ph type="body" idx="1"/>
+          </p:nvPr>
+        </p:nvSpPr>
+        <p:spPr/>
+        <p:txBody>
+          <a:bodyPr/>
+          <a:lstStyle/>
+          <a:p>
+            <a:endParaRPr lang="lv-LV" dirty="0"/>
+          </a:p>
+        </p:txBody>
+      </p:sp>
+      <p:sp>
+        <p:nvSpPr>
+          <p:cNvPr id="4" name="Slaida numura vietturis 3"/>
+          <p:cNvSpPr>
+            <a:spLocks noGrp="1"/>
+          </p:cNvSpPr>
+          <p:nvPr>
+            <p:ph type="sldNum" sz="quarter" idx="10"/>
+          </p:nvPr>
+        </p:nvSpPr>
+        <p:spPr/>
+        <p:txBody>
+          <a:bodyPr/>
+          <a:lstStyle/>
+          <a:p>
+            <a:fld id="{81204AF3-4E0E-4CF0-AB38-3BB4350613C7}" type="slidenum">
+              <a:rPr lang="en-US" smtClean="0"/>
+              <a:t>1</a:t>
+            </a:fld>
+            <a:endParaRPr lang="en-US"/>
+          </a:p>
+        </p:txBody>
+      </p:sp>
+    </p:spTree>
+    <p:extLst>
+      <p:ext uri="{BB962C8B-B14F-4D97-AF65-F5344CB8AC3E}">
+        <p14:creationId xmlns:p14="http://schemas.microsoft.com/office/powerpoint/2010/main" val="3886228756"/>
+      </p:ext>
+    </p:extLst>
+  </p:cSld>
+  <p:clrMapOvr>
+    <a:masterClrMapping/>
+  </p:clrMapOvr>
+</p:notes>
+</file>
+
+<file path=ppt/notesSlides/notesSlide2.xml><?xml version="1.0" encoding="utf-8"?>
+<p:notes xmlns:a="http://schemas.openxmlformats.org/drawingml/2006/main" xmlns:r="http://schemas.openxmlformats.org/officeDocument/2006/relationships" xmlns:p="http://schemas.openxmlformats.org/presentationml/2006/main">
+  <p:cSld>
+    <p:spTree>
+      <p:nvGrpSpPr>
+        <p:cNvPr id="1" name=""/>
+        <p:cNvGrpSpPr/>
+        <p:nvPr/>
+      </p:nvGrpSpPr>
+      <p:grpSpPr>
+        <a:xfrm>
+          <a:off x="0" y="0"/>
+          <a:ext cx="0" cy="0"/>
+          <a:chOff x="0" y="0"/>
+          <a:chExt cx="0" cy="0"/>
+        </a:xfrm>
+      </p:grpSpPr>
+      <p:sp>
+        <p:nvSpPr>
           <p:cNvPr id="2" name="Slide Image Placeholder 1"/>
           <p:cNvSpPr>
             <a:spLocks noGrp="1" noRot="1" noChangeAspect="1"/>
@@ -520,7 +630,28 @@
           <a:bodyPr/>
           <a:lstStyle/>
           <a:p>
-            <a:endParaRPr lang="en-US" dirty="0"/>
+            <a:r>
+              <a:rPr lang="en-US" dirty="0"/>
+              <a:t>combination</a:t>
+            </a:r>
+          </a:p>
+          <a:p>
+            <a:r>
+              <a:rPr lang="en-US" dirty="0"/>
+              <a:t>k means, data refining(click)</a:t>
+            </a:r>
+          </a:p>
+          <a:p>
+            <a:r>
+              <a:rPr lang="en-US" dirty="0"/>
+              <a:t>how: clusters (elbow analysis)</a:t>
+            </a:r>
+          </a:p>
+          <a:p>
+            <a:r>
+              <a:rPr lang="en-US" dirty="0"/>
+              <a:t>why: clusters how could it help, 1 cluster is more likely</a:t>
+            </a:r>
           </a:p>
         </p:txBody>
       </p:sp>
@@ -551,6 +682,352 @@
     <p:extLst>
       <p:ext uri="{BB962C8B-B14F-4D97-AF65-F5344CB8AC3E}">
         <p14:creationId xmlns:p14="http://schemas.microsoft.com/office/powerpoint/2010/main" val="832696751"/>
+      </p:ext>
+    </p:extLst>
+  </p:cSld>
+  <p:clrMapOvr>
+    <a:masterClrMapping/>
+  </p:clrMapOvr>
+</p:notes>
+</file>
+
+<file path=ppt/notesSlides/notesSlide3.xml><?xml version="1.0" encoding="utf-8"?>
+<p:notes xmlns:a="http://schemas.openxmlformats.org/drawingml/2006/main" xmlns:r="http://schemas.openxmlformats.org/officeDocument/2006/relationships" xmlns:p="http://schemas.openxmlformats.org/presentationml/2006/main">
+  <p:cSld>
+    <p:spTree>
+      <p:nvGrpSpPr>
+        <p:cNvPr id="1" name=""/>
+        <p:cNvGrpSpPr/>
+        <p:nvPr/>
+      </p:nvGrpSpPr>
+      <p:grpSpPr>
+        <a:xfrm>
+          <a:off x="0" y="0"/>
+          <a:ext cx="0" cy="0"/>
+          <a:chOff x="0" y="0"/>
+          <a:chExt cx="0" cy="0"/>
+        </a:xfrm>
+      </p:grpSpPr>
+      <p:sp>
+        <p:nvSpPr>
+          <p:cNvPr id="2" name="Slaida attēla vietturis 1"/>
+          <p:cNvSpPr>
+            <a:spLocks noGrp="1" noRot="1" noChangeAspect="1"/>
+          </p:cNvSpPr>
+          <p:nvPr>
+            <p:ph type="sldImg"/>
+          </p:nvPr>
+        </p:nvSpPr>
+        <p:spPr/>
+      </p:sp>
+      <p:sp>
+        <p:nvSpPr>
+          <p:cNvPr id="3" name="Piezīmju vietturis 2"/>
+          <p:cNvSpPr>
+            <a:spLocks noGrp="1"/>
+          </p:cNvSpPr>
+          <p:nvPr>
+            <p:ph type="body" idx="1"/>
+          </p:nvPr>
+        </p:nvSpPr>
+        <p:spPr/>
+        <p:txBody>
+          <a:bodyPr/>
+          <a:lstStyle/>
+          <a:p>
+            <a:r>
+              <a:rPr lang="lv-LV" dirty="0" err="1"/>
+              <a:t>decision</a:t>
+            </a:r>
+            <a:r>
+              <a:rPr lang="lv-LV" dirty="0"/>
+              <a:t> </a:t>
+            </a:r>
+            <a:r>
+              <a:rPr lang="lv-LV" dirty="0" err="1"/>
+              <a:t>tree</a:t>
+            </a:r>
+            <a:endParaRPr lang="lv-LV" dirty="0"/>
+          </a:p>
+          <a:p>
+            <a:r>
+              <a:rPr lang="lv-LV" dirty="0" err="1"/>
+              <a:t>accuracity</a:t>
+            </a:r>
+            <a:endParaRPr lang="lv-LV" dirty="0"/>
+          </a:p>
+          <a:p>
+            <a:r>
+              <a:rPr lang="lv-LV" dirty="0" err="1"/>
+              <a:t>file</a:t>
+            </a:r>
+            <a:endParaRPr lang="lv-LV" dirty="0"/>
+          </a:p>
+        </p:txBody>
+      </p:sp>
+      <p:sp>
+        <p:nvSpPr>
+          <p:cNvPr id="4" name="Slaida numura vietturis 3"/>
+          <p:cNvSpPr>
+            <a:spLocks noGrp="1"/>
+          </p:cNvSpPr>
+          <p:nvPr>
+            <p:ph type="sldNum" sz="quarter" idx="10"/>
+          </p:nvPr>
+        </p:nvSpPr>
+        <p:spPr/>
+        <p:txBody>
+          <a:bodyPr/>
+          <a:lstStyle/>
+          <a:p>
+            <a:fld id="{81204AF3-4E0E-4CF0-AB38-3BB4350613C7}" type="slidenum">
+              <a:rPr lang="en-US" smtClean="0"/>
+              <a:t>10</a:t>
+            </a:fld>
+            <a:endParaRPr lang="en-US"/>
+          </a:p>
+        </p:txBody>
+      </p:sp>
+    </p:spTree>
+    <p:extLst>
+      <p:ext uri="{BB962C8B-B14F-4D97-AF65-F5344CB8AC3E}">
+        <p14:creationId xmlns:p14="http://schemas.microsoft.com/office/powerpoint/2010/main" val="951162660"/>
+      </p:ext>
+    </p:extLst>
+  </p:cSld>
+  <p:clrMapOvr>
+    <a:masterClrMapping/>
+  </p:clrMapOvr>
+</p:notes>
+</file>
+
+<file path=ppt/notesSlides/notesSlide4.xml><?xml version="1.0" encoding="utf-8"?>
+<p:notes xmlns:a="http://schemas.openxmlformats.org/drawingml/2006/main" xmlns:r="http://schemas.openxmlformats.org/officeDocument/2006/relationships" xmlns:p="http://schemas.openxmlformats.org/presentationml/2006/main">
+  <p:cSld>
+    <p:spTree>
+      <p:nvGrpSpPr>
+        <p:cNvPr id="1" name=""/>
+        <p:cNvGrpSpPr/>
+        <p:nvPr/>
+      </p:nvGrpSpPr>
+      <p:grpSpPr>
+        <a:xfrm>
+          <a:off x="0" y="0"/>
+          <a:ext cx="0" cy="0"/>
+          <a:chOff x="0" y="0"/>
+          <a:chExt cx="0" cy="0"/>
+        </a:xfrm>
+      </p:grpSpPr>
+      <p:sp>
+        <p:nvSpPr>
+          <p:cNvPr id="2" name="Slaida attēla vietturis 1"/>
+          <p:cNvSpPr>
+            <a:spLocks noGrp="1" noRot="1" noChangeAspect="1"/>
+          </p:cNvSpPr>
+          <p:nvPr>
+            <p:ph type="sldImg"/>
+          </p:nvPr>
+        </p:nvSpPr>
+        <p:spPr/>
+      </p:sp>
+      <p:sp>
+        <p:nvSpPr>
+          <p:cNvPr id="3" name="Piezīmju vietturis 2"/>
+          <p:cNvSpPr>
+            <a:spLocks noGrp="1"/>
+          </p:cNvSpPr>
+          <p:nvPr>
+            <p:ph type="body" idx="1"/>
+          </p:nvPr>
+        </p:nvSpPr>
+        <p:spPr/>
+        <p:txBody>
+          <a:bodyPr/>
+          <a:lstStyle/>
+          <a:p>
+            <a:r>
+              <a:rPr lang="en-US" dirty="0"/>
+              <a:t>what we used</a:t>
+            </a:r>
+          </a:p>
+          <a:p>
+            <a:r>
+              <a:rPr lang="en-US" dirty="0"/>
+              <a:t>how much time</a:t>
+            </a:r>
+          </a:p>
+          <a:p>
+            <a:r>
+              <a:rPr lang="en-US" dirty="0"/>
+              <a:t>most in </a:t>
+            </a:r>
+            <a:r>
+              <a:rPr lang="en-US" dirty="0" err="1"/>
+              <a:t>reserch</a:t>
+            </a:r>
+            <a:endParaRPr lang="en-US" dirty="0"/>
+          </a:p>
+          <a:p>
+            <a:r>
+              <a:rPr lang="en-US" dirty="0"/>
+              <a:t>followed by data cleaning</a:t>
+            </a:r>
+            <a:endParaRPr lang="lv-LV" dirty="0"/>
+          </a:p>
+        </p:txBody>
+      </p:sp>
+      <p:sp>
+        <p:nvSpPr>
+          <p:cNvPr id="4" name="Slaida numura vietturis 3"/>
+          <p:cNvSpPr>
+            <a:spLocks noGrp="1"/>
+          </p:cNvSpPr>
+          <p:nvPr>
+            <p:ph type="sldNum" sz="quarter" idx="10"/>
+          </p:nvPr>
+        </p:nvSpPr>
+        <p:spPr/>
+        <p:txBody>
+          <a:bodyPr/>
+          <a:lstStyle/>
+          <a:p>
+            <a:fld id="{81204AF3-4E0E-4CF0-AB38-3BB4350613C7}" type="slidenum">
+              <a:rPr lang="en-US" smtClean="0"/>
+              <a:t>11</a:t>
+            </a:fld>
+            <a:endParaRPr lang="en-US"/>
+          </a:p>
+        </p:txBody>
+      </p:sp>
+    </p:spTree>
+    <p:extLst>
+      <p:ext uri="{BB962C8B-B14F-4D97-AF65-F5344CB8AC3E}">
+        <p14:creationId xmlns:p14="http://schemas.microsoft.com/office/powerpoint/2010/main" val="2942288293"/>
+      </p:ext>
+    </p:extLst>
+  </p:cSld>
+  <p:clrMapOvr>
+    <a:masterClrMapping/>
+  </p:clrMapOvr>
+</p:notes>
+</file>
+
+<file path=ppt/notesSlides/notesSlide5.xml><?xml version="1.0" encoding="utf-8"?>
+<p:notes xmlns:a="http://schemas.openxmlformats.org/drawingml/2006/main" xmlns:r="http://schemas.openxmlformats.org/officeDocument/2006/relationships" xmlns:p="http://schemas.openxmlformats.org/presentationml/2006/main">
+  <p:cSld>
+    <p:spTree>
+      <p:nvGrpSpPr>
+        <p:cNvPr id="1" name=""/>
+        <p:cNvGrpSpPr/>
+        <p:nvPr/>
+      </p:nvGrpSpPr>
+      <p:grpSpPr>
+        <a:xfrm>
+          <a:off x="0" y="0"/>
+          <a:ext cx="0" cy="0"/>
+          <a:chOff x="0" y="0"/>
+          <a:chExt cx="0" cy="0"/>
+        </a:xfrm>
+      </p:grpSpPr>
+      <p:sp>
+        <p:nvSpPr>
+          <p:cNvPr id="2" name="Slaida attēla vietturis 1"/>
+          <p:cNvSpPr>
+            <a:spLocks noGrp="1" noRot="1" noChangeAspect="1"/>
+          </p:cNvSpPr>
+          <p:nvPr>
+            <p:ph type="sldImg"/>
+          </p:nvPr>
+        </p:nvSpPr>
+        <p:spPr/>
+      </p:sp>
+      <p:sp>
+        <p:nvSpPr>
+          <p:cNvPr id="3" name="Piezīmju vietturis 2"/>
+          <p:cNvSpPr>
+            <a:spLocks noGrp="1"/>
+          </p:cNvSpPr>
+          <p:nvPr>
+            <p:ph type="body" idx="1"/>
+          </p:nvPr>
+        </p:nvSpPr>
+        <p:spPr/>
+        <p:txBody>
+          <a:bodyPr/>
+          <a:lstStyle/>
+          <a:p>
+            <a:r>
+              <a:rPr lang="en-US" dirty="0" err="1"/>
+              <a:t>pyhton</a:t>
+            </a:r>
+            <a:endParaRPr lang="en-US" dirty="0"/>
+          </a:p>
+          <a:p>
+            <a:r>
+              <a:rPr lang="en-US" dirty="0"/>
+              <a:t>started by reviewing data</a:t>
+            </a:r>
+          </a:p>
+          <a:p>
+            <a:r>
+              <a:rPr lang="en-US" dirty="0"/>
+              <a:t>determined nan values</a:t>
+            </a:r>
+          </a:p>
+          <a:p>
+            <a:r>
+              <a:rPr lang="en-US" dirty="0"/>
+              <a:t>mode mean median or removing</a:t>
+            </a:r>
+          </a:p>
+          <a:p>
+            <a:r>
+              <a:rPr lang="en-US" dirty="0"/>
+              <a:t>correct format (datetime instead of string)</a:t>
+            </a:r>
+          </a:p>
+          <a:p>
+            <a:r>
+              <a:rPr lang="en-US" dirty="0"/>
+              <a:t>normalized values (airport name in place of id)</a:t>
+            </a:r>
+          </a:p>
+          <a:p>
+            <a:r>
+              <a:rPr lang="en-US" dirty="0"/>
+              <a:t>15 ways of saying dove</a:t>
+            </a:r>
+            <a:endParaRPr lang="lv-LV" dirty="0"/>
+          </a:p>
+        </p:txBody>
+      </p:sp>
+      <p:sp>
+        <p:nvSpPr>
+          <p:cNvPr id="4" name="Slaida numura vietturis 3"/>
+          <p:cNvSpPr>
+            <a:spLocks noGrp="1"/>
+          </p:cNvSpPr>
+          <p:nvPr>
+            <p:ph type="sldNum" sz="quarter" idx="10"/>
+          </p:nvPr>
+        </p:nvSpPr>
+        <p:spPr/>
+        <p:txBody>
+          <a:bodyPr/>
+          <a:lstStyle/>
+          <a:p>
+            <a:fld id="{81204AF3-4E0E-4CF0-AB38-3BB4350613C7}" type="slidenum">
+              <a:rPr lang="en-US" smtClean="0"/>
+              <a:t>12</a:t>
+            </a:fld>
+            <a:endParaRPr lang="en-US"/>
+          </a:p>
+        </p:txBody>
+      </p:sp>
+    </p:spTree>
+    <p:extLst>
+      <p:ext uri="{BB962C8B-B14F-4D97-AF65-F5344CB8AC3E}">
+        <p14:creationId xmlns:p14="http://schemas.microsoft.com/office/powerpoint/2010/main" val="2450214852"/>
       </p:ext>
     </p:extLst>
   </p:cSld>

--- a/Presentation.pptx
+++ b/Presentation.pptx
@@ -127,32 +127,6 @@
 </p:presentation>
 </file>
 
-<file path=ppt/commentAuthors.xml><?xml version="1.0" encoding="utf-8"?>
-<p:cmAuthorLst xmlns:a="http://schemas.openxmlformats.org/drawingml/2006/main" xmlns:r="http://schemas.openxmlformats.org/officeDocument/2006/relationships" xmlns:p="http://schemas.openxmlformats.org/presentationml/2006/main">
-  <p:cmAuthor id="1" name="ralf zangis" initials="rz" lastIdx="1" clrIdx="0">
-    <p:extLst>
-      <p:ext uri="{19B8F6BF-5375-455C-9EA6-DF929625EA0E}">
-        <p15:presenceInfo xmlns:p15="http://schemas.microsoft.com/office/powerpoint/2012/main" userId="30c92def27e35c43" providerId="Windows Live"/>
-      </p:ext>
-    </p:extLst>
-  </p:cmAuthor>
-</p:cmAuthorLst>
-</file>
-
-<file path=ppt/comments/comment1.xml><?xml version="1.0" encoding="utf-8"?>
-<p:cmLst xmlns:a="http://schemas.openxmlformats.org/drawingml/2006/main" xmlns:r="http://schemas.openxmlformats.org/officeDocument/2006/relationships" xmlns:p="http://schemas.openxmlformats.org/presentationml/2006/main">
-  <p:cm authorId="1" dt="2018-05-28T23:10:29.586" idx="1">
-    <p:pos x="10" y="10"/>
-    <p:text/>
-    <p:extLst>
-      <p:ext uri="{C676402C-5697-4E1C-873F-D02D1690AC5C}">
-        <p15:threadingInfo xmlns:p15="http://schemas.microsoft.com/office/powerpoint/2012/main" timeZoneBias="-120"/>
-      </p:ext>
-    </p:extLst>
-  </p:cm>
-</p:cmLst>
-</file>
-
 <file path=ppt/notesMasters/notesMaster1.xml><?xml version="1.0" encoding="utf-8"?>
 <p:notesMaster xmlns:a="http://schemas.openxmlformats.org/drawingml/2006/main" xmlns:r="http://schemas.openxmlformats.org/officeDocument/2006/relationships" xmlns:p="http://schemas.openxmlformats.org/presentationml/2006/main">
   <p:cSld>
@@ -521,7 +495,7 @@
       </p:grpSpPr>
       <p:sp>
         <p:nvSpPr>
-          <p:cNvPr id="2" name="Slaida attēla vietturis 1"/>
+          <p:cNvPr id="2" name="Slide Image Placeholder 1"/>
           <p:cNvSpPr>
             <a:spLocks noGrp="1" noRot="1" noChangeAspect="1"/>
           </p:cNvSpPr>
@@ -533,7 +507,7 @@
       </p:sp>
       <p:sp>
         <p:nvSpPr>
-          <p:cNvPr id="3" name="Piezīmju vietturis 2"/>
+          <p:cNvPr id="3" name="Notes Placeholder 2"/>
           <p:cNvSpPr>
             <a:spLocks noGrp="1"/>
           </p:cNvSpPr>
@@ -546,112 +520,7 @@
           <a:bodyPr/>
           <a:lstStyle/>
           <a:p>
-            <a:endParaRPr lang="lv-LV" dirty="0"/>
-          </a:p>
-        </p:txBody>
-      </p:sp>
-      <p:sp>
-        <p:nvSpPr>
-          <p:cNvPr id="4" name="Slaida numura vietturis 3"/>
-          <p:cNvSpPr>
-            <a:spLocks noGrp="1"/>
-          </p:cNvSpPr>
-          <p:nvPr>
-            <p:ph type="sldNum" sz="quarter" idx="10"/>
-          </p:nvPr>
-        </p:nvSpPr>
-        <p:spPr/>
-        <p:txBody>
-          <a:bodyPr/>
-          <a:lstStyle/>
-          <a:p>
-            <a:fld id="{81204AF3-4E0E-4CF0-AB38-3BB4350613C7}" type="slidenum">
-              <a:rPr lang="en-US" smtClean="0"/>
-              <a:t>1</a:t>
-            </a:fld>
-            <a:endParaRPr lang="en-US"/>
-          </a:p>
-        </p:txBody>
-      </p:sp>
-    </p:spTree>
-    <p:extLst>
-      <p:ext uri="{BB962C8B-B14F-4D97-AF65-F5344CB8AC3E}">
-        <p14:creationId xmlns:p14="http://schemas.microsoft.com/office/powerpoint/2010/main" val="3886228756"/>
-      </p:ext>
-    </p:extLst>
-  </p:cSld>
-  <p:clrMapOvr>
-    <a:masterClrMapping/>
-  </p:clrMapOvr>
-</p:notes>
-</file>
-
-<file path=ppt/notesSlides/notesSlide2.xml><?xml version="1.0" encoding="utf-8"?>
-<p:notes xmlns:a="http://schemas.openxmlformats.org/drawingml/2006/main" xmlns:r="http://schemas.openxmlformats.org/officeDocument/2006/relationships" xmlns:p="http://schemas.openxmlformats.org/presentationml/2006/main">
-  <p:cSld>
-    <p:spTree>
-      <p:nvGrpSpPr>
-        <p:cNvPr id="1" name=""/>
-        <p:cNvGrpSpPr/>
-        <p:nvPr/>
-      </p:nvGrpSpPr>
-      <p:grpSpPr>
-        <a:xfrm>
-          <a:off x="0" y="0"/>
-          <a:ext cx="0" cy="0"/>
-          <a:chOff x="0" y="0"/>
-          <a:chExt cx="0" cy="0"/>
-        </a:xfrm>
-      </p:grpSpPr>
-      <p:sp>
-        <p:nvSpPr>
-          <p:cNvPr id="2" name="Slide Image Placeholder 1"/>
-          <p:cNvSpPr>
-            <a:spLocks noGrp="1" noRot="1" noChangeAspect="1"/>
-          </p:cNvSpPr>
-          <p:nvPr>
-            <p:ph type="sldImg"/>
-          </p:nvPr>
-        </p:nvSpPr>
-        <p:spPr/>
-      </p:sp>
-      <p:sp>
-        <p:nvSpPr>
-          <p:cNvPr id="3" name="Notes Placeholder 2"/>
-          <p:cNvSpPr>
-            <a:spLocks noGrp="1"/>
-          </p:cNvSpPr>
-          <p:nvPr>
-            <p:ph type="body" idx="1"/>
-          </p:nvPr>
-        </p:nvSpPr>
-        <p:spPr/>
-        <p:txBody>
-          <a:bodyPr/>
-          <a:lstStyle/>
-          <a:p>
-            <a:r>
-              <a:rPr lang="en-US" dirty="0"/>
-              <a:t>combination</a:t>
-            </a:r>
-          </a:p>
-          <a:p>
-            <a:r>
-              <a:rPr lang="en-US" dirty="0"/>
-              <a:t>k means, data refining(click)</a:t>
-            </a:r>
-          </a:p>
-          <a:p>
-            <a:r>
-              <a:rPr lang="en-US" dirty="0"/>
-              <a:t>how: clusters (elbow analysis)</a:t>
-            </a:r>
-          </a:p>
-          <a:p>
-            <a:r>
-              <a:rPr lang="en-US" dirty="0"/>
-              <a:t>why: clusters how could it help, 1 cluster is more likely</a:t>
-            </a:r>
+            <a:endParaRPr lang="en-US" dirty="0"/>
           </a:p>
         </p:txBody>
       </p:sp>
@@ -682,352 +551,6 @@
     <p:extLst>
       <p:ext uri="{BB962C8B-B14F-4D97-AF65-F5344CB8AC3E}">
         <p14:creationId xmlns:p14="http://schemas.microsoft.com/office/powerpoint/2010/main" val="832696751"/>
-      </p:ext>
-    </p:extLst>
-  </p:cSld>
-  <p:clrMapOvr>
-    <a:masterClrMapping/>
-  </p:clrMapOvr>
-</p:notes>
-</file>
-
-<file path=ppt/notesSlides/notesSlide3.xml><?xml version="1.0" encoding="utf-8"?>
-<p:notes xmlns:a="http://schemas.openxmlformats.org/drawingml/2006/main" xmlns:r="http://schemas.openxmlformats.org/officeDocument/2006/relationships" xmlns:p="http://schemas.openxmlformats.org/presentationml/2006/main">
-  <p:cSld>
-    <p:spTree>
-      <p:nvGrpSpPr>
-        <p:cNvPr id="1" name=""/>
-        <p:cNvGrpSpPr/>
-        <p:nvPr/>
-      </p:nvGrpSpPr>
-      <p:grpSpPr>
-        <a:xfrm>
-          <a:off x="0" y="0"/>
-          <a:ext cx="0" cy="0"/>
-          <a:chOff x="0" y="0"/>
-          <a:chExt cx="0" cy="0"/>
-        </a:xfrm>
-      </p:grpSpPr>
-      <p:sp>
-        <p:nvSpPr>
-          <p:cNvPr id="2" name="Slaida attēla vietturis 1"/>
-          <p:cNvSpPr>
-            <a:spLocks noGrp="1" noRot="1" noChangeAspect="1"/>
-          </p:cNvSpPr>
-          <p:nvPr>
-            <p:ph type="sldImg"/>
-          </p:nvPr>
-        </p:nvSpPr>
-        <p:spPr/>
-      </p:sp>
-      <p:sp>
-        <p:nvSpPr>
-          <p:cNvPr id="3" name="Piezīmju vietturis 2"/>
-          <p:cNvSpPr>
-            <a:spLocks noGrp="1"/>
-          </p:cNvSpPr>
-          <p:nvPr>
-            <p:ph type="body" idx="1"/>
-          </p:nvPr>
-        </p:nvSpPr>
-        <p:spPr/>
-        <p:txBody>
-          <a:bodyPr/>
-          <a:lstStyle/>
-          <a:p>
-            <a:r>
-              <a:rPr lang="lv-LV" dirty="0" err="1"/>
-              <a:t>decision</a:t>
-            </a:r>
-            <a:r>
-              <a:rPr lang="lv-LV" dirty="0"/>
-              <a:t> </a:t>
-            </a:r>
-            <a:r>
-              <a:rPr lang="lv-LV" dirty="0" err="1"/>
-              <a:t>tree</a:t>
-            </a:r>
-            <a:endParaRPr lang="lv-LV" dirty="0"/>
-          </a:p>
-          <a:p>
-            <a:r>
-              <a:rPr lang="lv-LV" dirty="0" err="1"/>
-              <a:t>accuracity</a:t>
-            </a:r>
-            <a:endParaRPr lang="lv-LV" dirty="0"/>
-          </a:p>
-          <a:p>
-            <a:r>
-              <a:rPr lang="lv-LV" dirty="0" err="1"/>
-              <a:t>file</a:t>
-            </a:r>
-            <a:endParaRPr lang="lv-LV" dirty="0"/>
-          </a:p>
-        </p:txBody>
-      </p:sp>
-      <p:sp>
-        <p:nvSpPr>
-          <p:cNvPr id="4" name="Slaida numura vietturis 3"/>
-          <p:cNvSpPr>
-            <a:spLocks noGrp="1"/>
-          </p:cNvSpPr>
-          <p:nvPr>
-            <p:ph type="sldNum" sz="quarter" idx="10"/>
-          </p:nvPr>
-        </p:nvSpPr>
-        <p:spPr/>
-        <p:txBody>
-          <a:bodyPr/>
-          <a:lstStyle/>
-          <a:p>
-            <a:fld id="{81204AF3-4E0E-4CF0-AB38-3BB4350613C7}" type="slidenum">
-              <a:rPr lang="en-US" smtClean="0"/>
-              <a:t>10</a:t>
-            </a:fld>
-            <a:endParaRPr lang="en-US"/>
-          </a:p>
-        </p:txBody>
-      </p:sp>
-    </p:spTree>
-    <p:extLst>
-      <p:ext uri="{BB962C8B-B14F-4D97-AF65-F5344CB8AC3E}">
-        <p14:creationId xmlns:p14="http://schemas.microsoft.com/office/powerpoint/2010/main" val="951162660"/>
-      </p:ext>
-    </p:extLst>
-  </p:cSld>
-  <p:clrMapOvr>
-    <a:masterClrMapping/>
-  </p:clrMapOvr>
-</p:notes>
-</file>
-
-<file path=ppt/notesSlides/notesSlide4.xml><?xml version="1.0" encoding="utf-8"?>
-<p:notes xmlns:a="http://schemas.openxmlformats.org/drawingml/2006/main" xmlns:r="http://schemas.openxmlformats.org/officeDocument/2006/relationships" xmlns:p="http://schemas.openxmlformats.org/presentationml/2006/main">
-  <p:cSld>
-    <p:spTree>
-      <p:nvGrpSpPr>
-        <p:cNvPr id="1" name=""/>
-        <p:cNvGrpSpPr/>
-        <p:nvPr/>
-      </p:nvGrpSpPr>
-      <p:grpSpPr>
-        <a:xfrm>
-          <a:off x="0" y="0"/>
-          <a:ext cx="0" cy="0"/>
-          <a:chOff x="0" y="0"/>
-          <a:chExt cx="0" cy="0"/>
-        </a:xfrm>
-      </p:grpSpPr>
-      <p:sp>
-        <p:nvSpPr>
-          <p:cNvPr id="2" name="Slaida attēla vietturis 1"/>
-          <p:cNvSpPr>
-            <a:spLocks noGrp="1" noRot="1" noChangeAspect="1"/>
-          </p:cNvSpPr>
-          <p:nvPr>
-            <p:ph type="sldImg"/>
-          </p:nvPr>
-        </p:nvSpPr>
-        <p:spPr/>
-      </p:sp>
-      <p:sp>
-        <p:nvSpPr>
-          <p:cNvPr id="3" name="Piezīmju vietturis 2"/>
-          <p:cNvSpPr>
-            <a:spLocks noGrp="1"/>
-          </p:cNvSpPr>
-          <p:nvPr>
-            <p:ph type="body" idx="1"/>
-          </p:nvPr>
-        </p:nvSpPr>
-        <p:spPr/>
-        <p:txBody>
-          <a:bodyPr/>
-          <a:lstStyle/>
-          <a:p>
-            <a:r>
-              <a:rPr lang="en-US" dirty="0"/>
-              <a:t>what we used</a:t>
-            </a:r>
-          </a:p>
-          <a:p>
-            <a:r>
-              <a:rPr lang="en-US" dirty="0"/>
-              <a:t>how much time</a:t>
-            </a:r>
-          </a:p>
-          <a:p>
-            <a:r>
-              <a:rPr lang="en-US" dirty="0"/>
-              <a:t>most in </a:t>
-            </a:r>
-            <a:r>
-              <a:rPr lang="en-US" dirty="0" err="1"/>
-              <a:t>reserch</a:t>
-            </a:r>
-            <a:endParaRPr lang="en-US" dirty="0"/>
-          </a:p>
-          <a:p>
-            <a:r>
-              <a:rPr lang="en-US" dirty="0"/>
-              <a:t>followed by data cleaning</a:t>
-            </a:r>
-            <a:endParaRPr lang="lv-LV" dirty="0"/>
-          </a:p>
-        </p:txBody>
-      </p:sp>
-      <p:sp>
-        <p:nvSpPr>
-          <p:cNvPr id="4" name="Slaida numura vietturis 3"/>
-          <p:cNvSpPr>
-            <a:spLocks noGrp="1"/>
-          </p:cNvSpPr>
-          <p:nvPr>
-            <p:ph type="sldNum" sz="quarter" idx="10"/>
-          </p:nvPr>
-        </p:nvSpPr>
-        <p:spPr/>
-        <p:txBody>
-          <a:bodyPr/>
-          <a:lstStyle/>
-          <a:p>
-            <a:fld id="{81204AF3-4E0E-4CF0-AB38-3BB4350613C7}" type="slidenum">
-              <a:rPr lang="en-US" smtClean="0"/>
-              <a:t>11</a:t>
-            </a:fld>
-            <a:endParaRPr lang="en-US"/>
-          </a:p>
-        </p:txBody>
-      </p:sp>
-    </p:spTree>
-    <p:extLst>
-      <p:ext uri="{BB962C8B-B14F-4D97-AF65-F5344CB8AC3E}">
-        <p14:creationId xmlns:p14="http://schemas.microsoft.com/office/powerpoint/2010/main" val="2942288293"/>
-      </p:ext>
-    </p:extLst>
-  </p:cSld>
-  <p:clrMapOvr>
-    <a:masterClrMapping/>
-  </p:clrMapOvr>
-</p:notes>
-</file>
-
-<file path=ppt/notesSlides/notesSlide5.xml><?xml version="1.0" encoding="utf-8"?>
-<p:notes xmlns:a="http://schemas.openxmlformats.org/drawingml/2006/main" xmlns:r="http://schemas.openxmlformats.org/officeDocument/2006/relationships" xmlns:p="http://schemas.openxmlformats.org/presentationml/2006/main">
-  <p:cSld>
-    <p:spTree>
-      <p:nvGrpSpPr>
-        <p:cNvPr id="1" name=""/>
-        <p:cNvGrpSpPr/>
-        <p:nvPr/>
-      </p:nvGrpSpPr>
-      <p:grpSpPr>
-        <a:xfrm>
-          <a:off x="0" y="0"/>
-          <a:ext cx="0" cy="0"/>
-          <a:chOff x="0" y="0"/>
-          <a:chExt cx="0" cy="0"/>
-        </a:xfrm>
-      </p:grpSpPr>
-      <p:sp>
-        <p:nvSpPr>
-          <p:cNvPr id="2" name="Slaida attēla vietturis 1"/>
-          <p:cNvSpPr>
-            <a:spLocks noGrp="1" noRot="1" noChangeAspect="1"/>
-          </p:cNvSpPr>
-          <p:nvPr>
-            <p:ph type="sldImg"/>
-          </p:nvPr>
-        </p:nvSpPr>
-        <p:spPr/>
-      </p:sp>
-      <p:sp>
-        <p:nvSpPr>
-          <p:cNvPr id="3" name="Piezīmju vietturis 2"/>
-          <p:cNvSpPr>
-            <a:spLocks noGrp="1"/>
-          </p:cNvSpPr>
-          <p:nvPr>
-            <p:ph type="body" idx="1"/>
-          </p:nvPr>
-        </p:nvSpPr>
-        <p:spPr/>
-        <p:txBody>
-          <a:bodyPr/>
-          <a:lstStyle/>
-          <a:p>
-            <a:r>
-              <a:rPr lang="en-US" dirty="0" err="1"/>
-              <a:t>pyhton</a:t>
-            </a:r>
-            <a:endParaRPr lang="en-US" dirty="0"/>
-          </a:p>
-          <a:p>
-            <a:r>
-              <a:rPr lang="en-US" dirty="0"/>
-              <a:t>started by reviewing data</a:t>
-            </a:r>
-          </a:p>
-          <a:p>
-            <a:r>
-              <a:rPr lang="en-US" dirty="0"/>
-              <a:t>determined nan values</a:t>
-            </a:r>
-          </a:p>
-          <a:p>
-            <a:r>
-              <a:rPr lang="en-US" dirty="0"/>
-              <a:t>mode mean median or removing</a:t>
-            </a:r>
-          </a:p>
-          <a:p>
-            <a:r>
-              <a:rPr lang="en-US" dirty="0"/>
-              <a:t>correct format (datetime instead of string)</a:t>
-            </a:r>
-          </a:p>
-          <a:p>
-            <a:r>
-              <a:rPr lang="en-US" dirty="0"/>
-              <a:t>normalized values (airport name in place of id)</a:t>
-            </a:r>
-          </a:p>
-          <a:p>
-            <a:r>
-              <a:rPr lang="en-US" dirty="0"/>
-              <a:t>15 ways of saying dove</a:t>
-            </a:r>
-            <a:endParaRPr lang="lv-LV" dirty="0"/>
-          </a:p>
-        </p:txBody>
-      </p:sp>
-      <p:sp>
-        <p:nvSpPr>
-          <p:cNvPr id="4" name="Slaida numura vietturis 3"/>
-          <p:cNvSpPr>
-            <a:spLocks noGrp="1"/>
-          </p:cNvSpPr>
-          <p:nvPr>
-            <p:ph type="sldNum" sz="quarter" idx="10"/>
-          </p:nvPr>
-        </p:nvSpPr>
-        <p:spPr/>
-        <p:txBody>
-          <a:bodyPr/>
-          <a:lstStyle/>
-          <a:p>
-            <a:fld id="{81204AF3-4E0E-4CF0-AB38-3BB4350613C7}" type="slidenum">
-              <a:rPr lang="en-US" smtClean="0"/>
-              <a:t>12</a:t>
-            </a:fld>
-            <a:endParaRPr lang="en-US"/>
-          </a:p>
-        </p:txBody>
-      </p:sp>
-    </p:spTree>
-    <p:extLst>
-      <p:ext uri="{BB962C8B-B14F-4D97-AF65-F5344CB8AC3E}">
-        <p14:creationId xmlns:p14="http://schemas.microsoft.com/office/powerpoint/2010/main" val="2450214852"/>
       </p:ext>
     </p:extLst>
   </p:cSld>
